--- a/CS-1.pptx
+++ b/CS-1.pptx
@@ -23,7 +23,10 @@
     <p:sldId id="270" r:id="rId17"/>
     <p:sldId id="272" r:id="rId18"/>
     <p:sldId id="271" r:id="rId19"/>
-    <p:sldId id="273" r:id="rId20"/>
+    <p:sldId id="276" r:id="rId20"/>
+    <p:sldId id="277" r:id="rId21"/>
+    <p:sldId id="275" r:id="rId22"/>
+    <p:sldId id="273" r:id="rId23"/>
   </p:sldIdLst>
   <p:sldSz cx="9144000" cy="6858000" type="screen4x3"/>
   <p:notesSz cx="6858000" cy="9144000"/>
@@ -307,7 +310,7 @@
             <a:fld id="{87F58768-BB64-416A-BA8F-B207A1BD6861}" type="datetimeFigureOut">
               <a:rPr lang="en-US" smtClean="0"/>
               <a:pPr/>
-              <a:t>6/3/2019</a:t>
+              <a:t>7/2/2019</a:t>
             </a:fld>
             <a:endParaRPr lang="en-US"/>
           </a:p>
@@ -474,7 +477,7 @@
             <a:fld id="{87F58768-BB64-416A-BA8F-B207A1BD6861}" type="datetimeFigureOut">
               <a:rPr lang="en-US" smtClean="0"/>
               <a:pPr/>
-              <a:t>6/3/2019</a:t>
+              <a:t>7/2/2019</a:t>
             </a:fld>
             <a:endParaRPr lang="en-US"/>
           </a:p>
@@ -651,7 +654,7 @@
             <a:fld id="{87F58768-BB64-416A-BA8F-B207A1BD6861}" type="datetimeFigureOut">
               <a:rPr lang="en-US" smtClean="0"/>
               <a:pPr/>
-              <a:t>6/3/2019</a:t>
+              <a:t>7/2/2019</a:t>
             </a:fld>
             <a:endParaRPr lang="en-US"/>
           </a:p>
@@ -818,7 +821,7 @@
             <a:fld id="{87F58768-BB64-416A-BA8F-B207A1BD6861}" type="datetimeFigureOut">
               <a:rPr lang="en-US" smtClean="0"/>
               <a:pPr/>
-              <a:t>6/3/2019</a:t>
+              <a:t>7/2/2019</a:t>
             </a:fld>
             <a:endParaRPr lang="en-US"/>
           </a:p>
@@ -1061,7 +1064,7 @@
             <a:fld id="{87F58768-BB64-416A-BA8F-B207A1BD6861}" type="datetimeFigureOut">
               <a:rPr lang="en-US" smtClean="0"/>
               <a:pPr/>
-              <a:t>6/3/2019</a:t>
+              <a:t>7/2/2019</a:t>
             </a:fld>
             <a:endParaRPr lang="en-US"/>
           </a:p>
@@ -1346,7 +1349,7 @@
             <a:fld id="{87F58768-BB64-416A-BA8F-B207A1BD6861}" type="datetimeFigureOut">
               <a:rPr lang="en-US" smtClean="0"/>
               <a:pPr/>
-              <a:t>6/3/2019</a:t>
+              <a:t>7/2/2019</a:t>
             </a:fld>
             <a:endParaRPr lang="en-US"/>
           </a:p>
@@ -1765,7 +1768,7 @@
             <a:fld id="{87F58768-BB64-416A-BA8F-B207A1BD6861}" type="datetimeFigureOut">
               <a:rPr lang="en-US" smtClean="0"/>
               <a:pPr/>
-              <a:t>6/3/2019</a:t>
+              <a:t>7/2/2019</a:t>
             </a:fld>
             <a:endParaRPr lang="en-US"/>
           </a:p>
@@ -1880,7 +1883,7 @@
             <a:fld id="{87F58768-BB64-416A-BA8F-B207A1BD6861}" type="datetimeFigureOut">
               <a:rPr lang="en-US" smtClean="0"/>
               <a:pPr/>
-              <a:t>6/3/2019</a:t>
+              <a:t>7/2/2019</a:t>
             </a:fld>
             <a:endParaRPr lang="en-US"/>
           </a:p>
@@ -1972,7 +1975,7 @@
             <a:fld id="{87F58768-BB64-416A-BA8F-B207A1BD6861}" type="datetimeFigureOut">
               <a:rPr lang="en-US" smtClean="0"/>
               <a:pPr/>
-              <a:t>6/3/2019</a:t>
+              <a:t>7/2/2019</a:t>
             </a:fld>
             <a:endParaRPr lang="en-US"/>
           </a:p>
@@ -2246,7 +2249,7 @@
             <a:fld id="{87F58768-BB64-416A-BA8F-B207A1BD6861}" type="datetimeFigureOut">
               <a:rPr lang="en-US" smtClean="0"/>
               <a:pPr/>
-              <a:t>6/3/2019</a:t>
+              <a:t>7/2/2019</a:t>
             </a:fld>
             <a:endParaRPr lang="en-US"/>
           </a:p>
@@ -2496,7 +2499,7 @@
             <a:fld id="{87F58768-BB64-416A-BA8F-B207A1BD6861}" type="datetimeFigureOut">
               <a:rPr lang="en-US" smtClean="0"/>
               <a:pPr/>
-              <a:t>6/3/2019</a:t>
+              <a:t>7/2/2019</a:t>
             </a:fld>
             <a:endParaRPr lang="en-US"/>
           </a:p>
@@ -2706,7 +2709,7 @@
             <a:fld id="{87F58768-BB64-416A-BA8F-B207A1BD6861}" type="datetimeFigureOut">
               <a:rPr lang="en-US" smtClean="0"/>
               <a:pPr/>
-              <a:t>6/3/2019</a:t>
+              <a:t>7/2/2019</a:t>
             </a:fld>
             <a:endParaRPr lang="en-US"/>
           </a:p>
@@ -5281,14 +5284,20 @@
         </p:nvSpPr>
         <p:spPr/>
         <p:txBody>
-          <a:bodyPr/>
-          <a:lstStyle/>
-          <a:p>
-            <a:r>
-              <a:rPr lang="en-US" b="1" dirty="0" smtClean="0"/>
-              <a:t>Machine Learning (Classification)</a:t>
-            </a:r>
-            <a:endParaRPr lang="en-US" dirty="0"/>
+          <a:bodyPr>
+            <a:normAutofit/>
+          </a:bodyPr>
+          <a:lstStyle/>
+          <a:p>
+            <a:r>
+              <a:rPr lang="en-US" sz="3200" b="1" dirty="0" smtClean="0"/>
+              <a:t>Machine Learning (</a:t>
+            </a:r>
+            <a:r>
+              <a:rPr lang="en-US" sz="3200" b="1" dirty="0" smtClean="0"/>
+              <a:t>Classification- Logistic R.)</a:t>
+            </a:r>
+            <a:endParaRPr lang="en-US" sz="3200" dirty="0"/>
           </a:p>
         </p:txBody>
       </p:sp>
@@ -5334,36 +5343,6 @@
           <a:xfrm>
             <a:off x="155575" y="-1592263"/>
             <a:ext cx="6743700" cy="3324226"/>
-          </a:xfrm>
-          <a:prstGeom prst="rect">
-            <a:avLst/>
-          </a:prstGeom>
-          <a:noFill/>
-        </p:spPr>
-        <p:txBody>
-          <a:bodyPr vert="horz" wrap="square" lIns="91440" tIns="45720" rIns="91440" bIns="45720" numCol="1" anchor="t" anchorCtr="0" compatLnSpc="1">
-            <a:prstTxWarp prst="textNoShape">
-              <a:avLst/>
-            </a:prstTxWarp>
-          </a:bodyPr>
-          <a:lstStyle/>
-          <a:p>
-            <a:endParaRPr lang="en-US"/>
-          </a:p>
-        </p:txBody>
-      </p:sp>
-      <p:sp>
-        <p:nvSpPr>
-          <p:cNvPr id="16390" name="AutoShape 6" descr="Related image"/>
-          <p:cNvSpPr>
-            <a:spLocks noChangeAspect="1" noChangeArrowheads="1"/>
-          </p:cNvSpPr>
-          <p:nvPr/>
-        </p:nvSpPr>
-        <p:spPr bwMode="auto">
-          <a:xfrm>
-            <a:off x="155575" y="-1608138"/>
-            <a:ext cx="4791075" cy="3362326"/>
           </a:xfrm>
           <a:prstGeom prst="rect">
             <a:avLst/>
@@ -5627,29 +5606,6 @@
       </p:grpSpPr>
       <p:sp>
         <p:nvSpPr>
-          <p:cNvPr id="2" name="Title 1"/>
-          <p:cNvSpPr>
-            <a:spLocks noGrp="1"/>
-          </p:cNvSpPr>
-          <p:nvPr>
-            <p:ph type="title"/>
-          </p:nvPr>
-        </p:nvSpPr>
-        <p:spPr/>
-        <p:txBody>
-          <a:bodyPr/>
-          <a:lstStyle/>
-          <a:p>
-            <a:r>
-              <a:rPr lang="en-US" b="1" dirty="0" smtClean="0"/>
-              <a:t>Machine Learning (Classification)</a:t>
-            </a:r>
-            <a:endParaRPr lang="en-US" dirty="0"/>
-          </a:p>
-        </p:txBody>
-      </p:sp>
-      <p:sp>
-        <p:nvSpPr>
           <p:cNvPr id="16386" name="AutoShape 2" descr="Image result for air accidents"/>
           <p:cNvSpPr>
             <a:spLocks noChangeAspect="1" noChangeArrowheads="1"/>
@@ -5945,6 +5901,80 @@
           </a:ln>
         </p:spPr>
       </p:pic>
+      <p:sp>
+        <p:nvSpPr>
+          <p:cNvPr id="14" name="Title 1"/>
+          <p:cNvSpPr txBox="1">
+            <a:spLocks/>
+          </p:cNvSpPr>
+          <p:nvPr/>
+        </p:nvSpPr>
+        <p:spPr>
+          <a:xfrm>
+            <a:off x="609600" y="427038"/>
+            <a:ext cx="8229600" cy="1143000"/>
+          </a:xfrm>
+          <a:prstGeom prst="rect">
+            <a:avLst/>
+          </a:prstGeom>
+        </p:spPr>
+        <p:txBody>
+          <a:bodyPr vert="horz" lIns="91440" tIns="45720" rIns="91440" bIns="45720" rtlCol="0" anchor="ctr">
+            <a:normAutofit/>
+          </a:bodyPr>
+          <a:lstStyle/>
+          <a:p>
+            <a:pPr marL="0" marR="0" lvl="0" indent="0" algn="ctr" defTabSz="914400" rtl="0" eaLnBrk="1" fontAlgn="auto" latinLnBrk="0" hangingPunct="1">
+              <a:lnSpc>
+                <a:spcPct val="100000"/>
+              </a:lnSpc>
+              <a:spcBef>
+                <a:spcPct val="0"/>
+              </a:spcBef>
+              <a:spcAft>
+                <a:spcPts val="0"/>
+              </a:spcAft>
+              <a:buClrTx/>
+              <a:buSzTx/>
+              <a:buFontTx/>
+              <a:buNone/>
+              <a:tabLst/>
+              <a:defRPr/>
+            </a:pPr>
+            <a:r>
+              <a:rPr kumimoji="0" lang="en-US" sz="3200" b="1" i="0" u="none" strike="noStrike" kern="1200" cap="none" spc="0" normalizeH="0" baseline="0" noProof="0" smtClean="0">
+                <a:ln>
+                  <a:noFill/>
+                </a:ln>
+                <a:solidFill>
+                  <a:schemeClr val="tx1"/>
+                </a:solidFill>
+                <a:effectLst/>
+                <a:uLnTx/>
+                <a:uFillTx/>
+                <a:latin typeface="+mj-lt"/>
+                <a:ea typeface="+mj-ea"/>
+                <a:cs typeface="+mj-cs"/>
+              </a:rPr>
+              <a:t>Machine Learning (Classification- Logistic R.)</a:t>
+            </a:r>
+            <a:endParaRPr kumimoji="0" lang="en-US" sz="3200" b="0" i="0" u="none" strike="noStrike" kern="1200" cap="none" spc="0" normalizeH="0" baseline="0" noProof="0" dirty="0">
+              <a:ln>
+                <a:noFill/>
+              </a:ln>
+              <a:solidFill>
+                <a:schemeClr val="tx1"/>
+              </a:solidFill>
+              <a:effectLst/>
+              <a:uLnTx/>
+              <a:uFillTx/>
+              <a:latin typeface="+mj-lt"/>
+              <a:ea typeface="+mj-ea"/>
+              <a:cs typeface="+mj-cs"/>
+            </a:endParaRPr>
+          </a:p>
+        </p:txBody>
+      </p:sp>
     </p:spTree>
   </p:cSld>
   <p:clrMapOvr>
@@ -5972,29 +6002,6 @@
       </p:grpSpPr>
       <p:sp>
         <p:nvSpPr>
-          <p:cNvPr id="2" name="Title 1"/>
-          <p:cNvSpPr>
-            <a:spLocks noGrp="1"/>
-          </p:cNvSpPr>
-          <p:nvPr>
-            <p:ph type="title"/>
-          </p:nvPr>
-        </p:nvSpPr>
-        <p:spPr/>
-        <p:txBody>
-          <a:bodyPr/>
-          <a:lstStyle/>
-          <a:p>
-            <a:r>
-              <a:rPr lang="en-US" b="1" dirty="0" smtClean="0"/>
-              <a:t>Conclusion</a:t>
-            </a:r>
-            <a:endParaRPr lang="en-US" dirty="0"/>
-          </a:p>
-        </p:txBody>
-      </p:sp>
-      <p:sp>
-        <p:nvSpPr>
           <p:cNvPr id="16386" name="AutoShape 2" descr="Image result for air accidents"/>
           <p:cNvSpPr>
             <a:spLocks noChangeAspect="1" noChangeArrowheads="1"/>
@@ -6175,80 +6182,218 @@
       </p:sp>
       <p:sp>
         <p:nvSpPr>
-          <p:cNvPr id="10" name="Content Placeholder 2"/>
-          <p:cNvSpPr>
-            <a:spLocks noGrp="1"/>
-          </p:cNvSpPr>
-          <p:nvPr>
-            <p:ph idx="1"/>
-          </p:nvPr>
+          <p:cNvPr id="14" name="Title 1"/>
+          <p:cNvSpPr txBox="1">
+            <a:spLocks/>
+          </p:cNvSpPr>
+          <p:nvPr/>
         </p:nvSpPr>
         <p:spPr>
           <a:xfrm>
-            <a:off x="381000" y="1143000"/>
-            <a:ext cx="8229600" cy="5334000"/>
-          </a:xfrm>
-        </p:spPr>
-        <p:txBody>
-          <a:bodyPr>
+            <a:off x="609600" y="427038"/>
+            <a:ext cx="8229600" cy="1143000"/>
+          </a:xfrm>
+          <a:prstGeom prst="rect">
+            <a:avLst/>
+          </a:prstGeom>
+        </p:spPr>
+        <p:txBody>
+          <a:bodyPr vert="horz" lIns="91440" tIns="45720" rIns="91440" bIns="45720" rtlCol="0" anchor="ctr">
             <a:normAutofit/>
           </a:bodyPr>
           <a:lstStyle/>
           <a:p>
-            <a:r>
-              <a:rPr lang="en-US" sz="2400" dirty="0" smtClean="0"/>
-              <a:t>Successful prediction</a:t>
-            </a:r>
-          </a:p>
-          <a:p>
-            <a:r>
-              <a:rPr lang="en-US" sz="2400" dirty="0" smtClean="0"/>
-              <a:t>Currently this model is not  capable of predicting possible future air accidents. </a:t>
-            </a:r>
-          </a:p>
-          <a:p>
-            <a:r>
-              <a:rPr lang="en-US" sz="2400" dirty="0" smtClean="0"/>
-              <a:t>Dataset can be enriched with total flight hours of</a:t>
-            </a:r>
-            <a:r>
-              <a:rPr lang="en-US" sz="2000" dirty="0" smtClean="0"/>
-              <a:t> </a:t>
-            </a:r>
-          </a:p>
-          <a:p>
-            <a:pPr lvl="1"/>
-            <a:r>
-              <a:rPr lang="en-US" sz="1600" dirty="0" smtClean="0"/>
-              <a:t>each aircraft model, </a:t>
-            </a:r>
-          </a:p>
-          <a:p>
-            <a:pPr lvl="1"/>
-            <a:r>
-              <a:rPr lang="en-US" sz="1600" dirty="0" smtClean="0"/>
-              <a:t>engine, and </a:t>
-            </a:r>
-          </a:p>
-          <a:p>
-            <a:pPr lvl="1"/>
-            <a:r>
-              <a:rPr lang="en-US" sz="1600" dirty="0" smtClean="0"/>
-              <a:t>pilots during the accident in addition to </a:t>
-            </a:r>
-          </a:p>
-          <a:p>
-            <a:pPr lvl="1"/>
-            <a:r>
-              <a:rPr lang="en-US" sz="1600" dirty="0" smtClean="0"/>
-              <a:t>annual and total flight hours of each air carrier.</a:t>
-            </a:r>
-          </a:p>
-          <a:p>
-            <a:endParaRPr lang="en-US" sz="2400" b="1" dirty="0" smtClean="0"/>
-          </a:p>
-        </p:txBody>
-      </p:sp>
+            <a:pPr marL="0" marR="0" lvl="0" indent="0" algn="ctr" defTabSz="914400" rtl="0" eaLnBrk="1" fontAlgn="auto" latinLnBrk="0" hangingPunct="1">
+              <a:lnSpc>
+                <a:spcPct val="100000"/>
+              </a:lnSpc>
+              <a:spcBef>
+                <a:spcPct val="0"/>
+              </a:spcBef>
+              <a:spcAft>
+                <a:spcPts val="0"/>
+              </a:spcAft>
+              <a:buClrTx/>
+              <a:buSzTx/>
+              <a:buFontTx/>
+              <a:buNone/>
+              <a:tabLst/>
+              <a:defRPr/>
+            </a:pPr>
+            <a:r>
+              <a:rPr kumimoji="0" lang="en-US" sz="3200" b="1" i="0" u="none" strike="noStrike" kern="1200" cap="none" spc="0" normalizeH="0" baseline="0" noProof="0" dirty="0" smtClean="0">
+                <a:ln>
+                  <a:noFill/>
+                </a:ln>
+                <a:solidFill>
+                  <a:schemeClr val="tx1"/>
+                </a:solidFill>
+                <a:effectLst/>
+                <a:uLnTx/>
+                <a:uFillTx/>
+                <a:latin typeface="+mj-lt"/>
+                <a:ea typeface="+mj-ea"/>
+                <a:cs typeface="+mj-cs"/>
+              </a:rPr>
+              <a:t>Machine Learning (Random Forest)</a:t>
+            </a:r>
+            <a:endParaRPr kumimoji="0" lang="en-US" sz="3200" b="0" i="0" u="none" strike="noStrike" kern="1200" cap="none" spc="0" normalizeH="0" baseline="0" noProof="0" dirty="0">
+              <a:ln>
+                <a:noFill/>
+              </a:ln>
+              <a:solidFill>
+                <a:schemeClr val="tx1"/>
+              </a:solidFill>
+              <a:effectLst/>
+              <a:uLnTx/>
+              <a:uFillTx/>
+              <a:latin typeface="+mj-lt"/>
+              <a:ea typeface="+mj-ea"/>
+              <a:cs typeface="+mj-cs"/>
+            </a:endParaRPr>
+          </a:p>
+        </p:txBody>
+      </p:sp>
+      <p:pic>
+        <p:nvPicPr>
+          <p:cNvPr id="1026" name="Picture 2"/>
+          <p:cNvPicPr>
+            <a:picLocks noChangeAspect="1" noChangeArrowheads="1"/>
+          </p:cNvPicPr>
+          <p:nvPr/>
+        </p:nvPicPr>
+        <p:blipFill>
+          <a:blip r:embed="rId2"/>
+          <a:srcRect b="12499"/>
+          <a:stretch>
+            <a:fillRect/>
+          </a:stretch>
+        </p:blipFill>
+        <p:spPr bwMode="auto">
+          <a:xfrm>
+            <a:off x="1295400" y="1219200"/>
+            <a:ext cx="6858000" cy="2243559"/>
+          </a:xfrm>
+          <a:prstGeom prst="rect">
+            <a:avLst/>
+          </a:prstGeom>
+          <a:noFill/>
+          <a:ln w="9525">
+            <a:noFill/>
+            <a:miter lim="800000"/>
+            <a:headEnd/>
+            <a:tailEnd/>
+          </a:ln>
+          <a:effectLst/>
+        </p:spPr>
+      </p:pic>
+      <p:sp>
+        <p:nvSpPr>
+          <p:cNvPr id="10" name="Title 1"/>
+          <p:cNvSpPr txBox="1">
+            <a:spLocks/>
+          </p:cNvSpPr>
+          <p:nvPr/>
+        </p:nvSpPr>
+        <p:spPr>
+          <a:xfrm>
+            <a:off x="533400" y="3429000"/>
+            <a:ext cx="8229600" cy="1143000"/>
+          </a:xfrm>
+          <a:prstGeom prst="rect">
+            <a:avLst/>
+          </a:prstGeom>
+        </p:spPr>
+        <p:txBody>
+          <a:bodyPr vert="horz" lIns="91440" tIns="45720" rIns="91440" bIns="45720" rtlCol="0" anchor="ctr">
+            <a:normAutofit/>
+          </a:bodyPr>
+          <a:lstStyle/>
+          <a:p>
+            <a:pPr marL="0" marR="0" lvl="0" indent="0" algn="ctr" defTabSz="914400" rtl="0" eaLnBrk="1" fontAlgn="auto" latinLnBrk="0" hangingPunct="1">
+              <a:lnSpc>
+                <a:spcPct val="100000"/>
+              </a:lnSpc>
+              <a:spcBef>
+                <a:spcPct val="0"/>
+              </a:spcBef>
+              <a:spcAft>
+                <a:spcPts val="0"/>
+              </a:spcAft>
+              <a:buClrTx/>
+              <a:buSzTx/>
+              <a:buFontTx/>
+              <a:buNone/>
+              <a:tabLst/>
+              <a:defRPr/>
+            </a:pPr>
+            <a:r>
+              <a:rPr kumimoji="0" lang="en-US" sz="3200" b="1" i="0" u="none" strike="noStrike" kern="1200" cap="none" spc="0" normalizeH="0" baseline="0" noProof="0" dirty="0" smtClean="0">
+                <a:ln>
+                  <a:noFill/>
+                </a:ln>
+                <a:solidFill>
+                  <a:schemeClr val="tx1"/>
+                </a:solidFill>
+                <a:effectLst/>
+                <a:uLnTx/>
+                <a:uFillTx/>
+                <a:latin typeface="+mj-lt"/>
+                <a:ea typeface="+mj-ea"/>
+                <a:cs typeface="+mj-cs"/>
+              </a:rPr>
+              <a:t>Machine Learning (Decision Tree)</a:t>
+            </a:r>
+            <a:endParaRPr kumimoji="0" lang="en-US" sz="3200" b="0" i="0" u="none" strike="noStrike" kern="1200" cap="none" spc="0" normalizeH="0" baseline="0" noProof="0" dirty="0">
+              <a:ln>
+                <a:noFill/>
+              </a:ln>
+              <a:solidFill>
+                <a:schemeClr val="tx1"/>
+              </a:solidFill>
+              <a:effectLst/>
+              <a:uLnTx/>
+              <a:uFillTx/>
+              <a:latin typeface="+mj-lt"/>
+              <a:ea typeface="+mj-ea"/>
+              <a:cs typeface="+mj-cs"/>
+            </a:endParaRPr>
+          </a:p>
+        </p:txBody>
+      </p:sp>
+      <p:pic>
+        <p:nvPicPr>
+          <p:cNvPr id="3074" name="Picture 2"/>
+          <p:cNvPicPr>
+            <a:picLocks noChangeAspect="1" noChangeArrowheads="1"/>
+          </p:cNvPicPr>
+          <p:nvPr/>
+        </p:nvPicPr>
+        <p:blipFill>
+          <a:blip r:embed="rId3"/>
+          <a:srcRect/>
+          <a:stretch>
+            <a:fillRect/>
+          </a:stretch>
+        </p:blipFill>
+        <p:spPr bwMode="auto">
+          <a:xfrm>
+            <a:off x="1463407" y="4343400"/>
+            <a:ext cx="6004193" cy="2286000"/>
+          </a:xfrm>
+          <a:prstGeom prst="rect">
+            <a:avLst/>
+          </a:prstGeom>
+          <a:noFill/>
+          <a:ln w="9525">
+            <a:noFill/>
+            <a:miter lim="800000"/>
+            <a:headEnd/>
+            <a:tailEnd/>
+          </a:ln>
+          <a:effectLst/>
+        </p:spPr>
+      </p:pic>
     </p:spTree>
   </p:cSld>
   <p:clrMapOvr>
@@ -6374,6 +6519,1182 @@
           <a:noFill/>
         </p:spPr>
       </p:pic>
+    </p:spTree>
+  </p:cSld>
+  <p:clrMapOvr>
+    <a:masterClrMapping/>
+  </p:clrMapOvr>
+</p:sld>
+</file>
+
+<file path=ppt/slides/slide20.xml><?xml version="1.0" encoding="utf-8"?>
+<p:sld xmlns:a="http://schemas.openxmlformats.org/drawingml/2006/main" xmlns:r="http://schemas.openxmlformats.org/officeDocument/2006/relationships" xmlns:p="http://schemas.openxmlformats.org/presentationml/2006/main">
+  <p:cSld>
+    <p:spTree>
+      <p:nvGrpSpPr>
+        <p:cNvPr id="1" name=""/>
+        <p:cNvGrpSpPr/>
+        <p:nvPr/>
+      </p:nvGrpSpPr>
+      <p:grpSpPr>
+        <a:xfrm>
+          <a:off x="0" y="0"/>
+          <a:ext cx="0" cy="0"/>
+          <a:chOff x="0" y="0"/>
+          <a:chExt cx="0" cy="0"/>
+        </a:xfrm>
+      </p:grpSpPr>
+      <p:sp>
+        <p:nvSpPr>
+          <p:cNvPr id="16386" name="AutoShape 2" descr="Image result for air accidents"/>
+          <p:cNvSpPr>
+            <a:spLocks noChangeAspect="1" noChangeArrowheads="1"/>
+          </p:cNvSpPr>
+          <p:nvPr/>
+        </p:nvSpPr>
+        <p:spPr bwMode="auto">
+          <a:xfrm>
+            <a:off x="155575" y="-1592263"/>
+            <a:ext cx="6743700" cy="3324226"/>
+          </a:xfrm>
+          <a:prstGeom prst="rect">
+            <a:avLst/>
+          </a:prstGeom>
+          <a:noFill/>
+        </p:spPr>
+        <p:txBody>
+          <a:bodyPr vert="horz" wrap="square" lIns="91440" tIns="45720" rIns="91440" bIns="45720" numCol="1" anchor="t" anchorCtr="0" compatLnSpc="1">
+            <a:prstTxWarp prst="textNoShape">
+              <a:avLst/>
+            </a:prstTxWarp>
+          </a:bodyPr>
+          <a:lstStyle/>
+          <a:p>
+            <a:endParaRPr lang="en-US"/>
+          </a:p>
+        </p:txBody>
+      </p:sp>
+      <p:sp>
+        <p:nvSpPr>
+          <p:cNvPr id="16388" name="AutoShape 4" descr="Image result for air accidents"/>
+          <p:cNvSpPr>
+            <a:spLocks noChangeAspect="1" noChangeArrowheads="1"/>
+          </p:cNvSpPr>
+          <p:nvPr/>
+        </p:nvSpPr>
+        <p:spPr bwMode="auto">
+          <a:xfrm>
+            <a:off x="155575" y="-1592263"/>
+            <a:ext cx="6743700" cy="3324226"/>
+          </a:xfrm>
+          <a:prstGeom prst="rect">
+            <a:avLst/>
+          </a:prstGeom>
+          <a:noFill/>
+        </p:spPr>
+        <p:txBody>
+          <a:bodyPr vert="horz" wrap="square" lIns="91440" tIns="45720" rIns="91440" bIns="45720" numCol="1" anchor="t" anchorCtr="0" compatLnSpc="1">
+            <a:prstTxWarp prst="textNoShape">
+              <a:avLst/>
+            </a:prstTxWarp>
+          </a:bodyPr>
+          <a:lstStyle/>
+          <a:p>
+            <a:endParaRPr lang="en-US"/>
+          </a:p>
+        </p:txBody>
+      </p:sp>
+      <p:sp>
+        <p:nvSpPr>
+          <p:cNvPr id="16390" name="AutoShape 6" descr="Related image"/>
+          <p:cNvSpPr>
+            <a:spLocks noChangeAspect="1" noChangeArrowheads="1"/>
+          </p:cNvSpPr>
+          <p:nvPr/>
+        </p:nvSpPr>
+        <p:spPr bwMode="auto">
+          <a:xfrm>
+            <a:off x="155575" y="-1608138"/>
+            <a:ext cx="4791075" cy="3362326"/>
+          </a:xfrm>
+          <a:prstGeom prst="rect">
+            <a:avLst/>
+          </a:prstGeom>
+          <a:noFill/>
+        </p:spPr>
+        <p:txBody>
+          <a:bodyPr vert="horz" wrap="square" lIns="91440" tIns="45720" rIns="91440" bIns="45720" numCol="1" anchor="t" anchorCtr="0" compatLnSpc="1">
+            <a:prstTxWarp prst="textNoShape">
+              <a:avLst/>
+            </a:prstTxWarp>
+          </a:bodyPr>
+          <a:lstStyle/>
+          <a:p>
+            <a:endParaRPr lang="en-US"/>
+          </a:p>
+        </p:txBody>
+      </p:sp>
+      <p:sp>
+        <p:nvSpPr>
+          <p:cNvPr id="17410" name="AutoShape 2" descr="Image result for us airliner accidents"/>
+          <p:cNvSpPr>
+            <a:spLocks noChangeAspect="1" noChangeArrowheads="1"/>
+          </p:cNvSpPr>
+          <p:nvPr/>
+        </p:nvSpPr>
+        <p:spPr bwMode="auto">
+          <a:xfrm>
+            <a:off x="155575" y="-1608138"/>
+            <a:ext cx="4486275" cy="3362326"/>
+          </a:xfrm>
+          <a:prstGeom prst="rect">
+            <a:avLst/>
+          </a:prstGeom>
+          <a:noFill/>
+        </p:spPr>
+        <p:txBody>
+          <a:bodyPr vert="horz" wrap="square" lIns="91440" tIns="45720" rIns="91440" bIns="45720" numCol="1" anchor="t" anchorCtr="0" compatLnSpc="1">
+            <a:prstTxWarp prst="textNoShape">
+              <a:avLst/>
+            </a:prstTxWarp>
+          </a:bodyPr>
+          <a:lstStyle/>
+          <a:p>
+            <a:endParaRPr lang="en-US"/>
+          </a:p>
+        </p:txBody>
+      </p:sp>
+      <p:sp>
+        <p:nvSpPr>
+          <p:cNvPr id="17412" name="AutoShape 4" descr="Image result for us airliner accidents"/>
+          <p:cNvSpPr>
+            <a:spLocks noChangeAspect="1" noChangeArrowheads="1"/>
+          </p:cNvSpPr>
+          <p:nvPr/>
+        </p:nvSpPr>
+        <p:spPr bwMode="auto">
+          <a:xfrm>
+            <a:off x="155575" y="-1608138"/>
+            <a:ext cx="4486275" cy="3362326"/>
+          </a:xfrm>
+          <a:prstGeom prst="rect">
+            <a:avLst/>
+          </a:prstGeom>
+          <a:noFill/>
+        </p:spPr>
+        <p:txBody>
+          <a:bodyPr vert="horz" wrap="square" lIns="91440" tIns="45720" rIns="91440" bIns="45720" numCol="1" anchor="t" anchorCtr="0" compatLnSpc="1">
+            <a:prstTxWarp prst="textNoShape">
+              <a:avLst/>
+            </a:prstTxWarp>
+          </a:bodyPr>
+          <a:lstStyle/>
+          <a:p>
+            <a:endParaRPr lang="en-US"/>
+          </a:p>
+        </p:txBody>
+      </p:sp>
+      <p:sp>
+        <p:nvSpPr>
+          <p:cNvPr id="17414" name="AutoShape 6" descr="Image result for us airliner accidents"/>
+          <p:cNvSpPr>
+            <a:spLocks noChangeAspect="1" noChangeArrowheads="1"/>
+          </p:cNvSpPr>
+          <p:nvPr/>
+        </p:nvSpPr>
+        <p:spPr bwMode="auto">
+          <a:xfrm>
+            <a:off x="155575" y="-144463"/>
+            <a:ext cx="304800" cy="304801"/>
+          </a:xfrm>
+          <a:prstGeom prst="rect">
+            <a:avLst/>
+          </a:prstGeom>
+          <a:noFill/>
+        </p:spPr>
+        <p:txBody>
+          <a:bodyPr vert="horz" wrap="square" lIns="91440" tIns="45720" rIns="91440" bIns="45720" numCol="1" anchor="t" anchorCtr="0" compatLnSpc="1">
+            <a:prstTxWarp prst="textNoShape">
+              <a:avLst/>
+            </a:prstTxWarp>
+          </a:bodyPr>
+          <a:lstStyle/>
+          <a:p>
+            <a:endParaRPr lang="en-US"/>
+          </a:p>
+        </p:txBody>
+      </p:sp>
+      <p:sp>
+        <p:nvSpPr>
+          <p:cNvPr id="14" name="Title 1"/>
+          <p:cNvSpPr txBox="1">
+            <a:spLocks/>
+          </p:cNvSpPr>
+          <p:nvPr/>
+        </p:nvSpPr>
+        <p:spPr>
+          <a:xfrm>
+            <a:off x="609600" y="427038"/>
+            <a:ext cx="8229600" cy="1143000"/>
+          </a:xfrm>
+          <a:prstGeom prst="rect">
+            <a:avLst/>
+          </a:prstGeom>
+        </p:spPr>
+        <p:txBody>
+          <a:bodyPr vert="horz" lIns="91440" tIns="45720" rIns="91440" bIns="45720" rtlCol="0" anchor="ctr">
+            <a:normAutofit/>
+          </a:bodyPr>
+          <a:lstStyle/>
+          <a:p>
+            <a:pPr marL="0" marR="0" lvl="0" indent="0" algn="ctr" defTabSz="914400" rtl="0" eaLnBrk="1" fontAlgn="auto" latinLnBrk="0" hangingPunct="1">
+              <a:lnSpc>
+                <a:spcPct val="100000"/>
+              </a:lnSpc>
+              <a:spcBef>
+                <a:spcPct val="0"/>
+              </a:spcBef>
+              <a:spcAft>
+                <a:spcPts val="0"/>
+              </a:spcAft>
+              <a:buClrTx/>
+              <a:buSzTx/>
+              <a:buFontTx/>
+              <a:buNone/>
+              <a:tabLst/>
+              <a:defRPr/>
+            </a:pPr>
+            <a:r>
+              <a:rPr kumimoji="0" lang="en-US" sz="3200" b="1" i="0" u="none" strike="noStrike" kern="1200" cap="none" spc="0" normalizeH="0" baseline="0" noProof="0" dirty="0" smtClean="0">
+                <a:ln>
+                  <a:noFill/>
+                </a:ln>
+                <a:solidFill>
+                  <a:schemeClr val="tx1"/>
+                </a:solidFill>
+                <a:effectLst/>
+                <a:uLnTx/>
+                <a:uFillTx/>
+                <a:latin typeface="+mj-lt"/>
+                <a:ea typeface="+mj-ea"/>
+                <a:cs typeface="+mj-cs"/>
+              </a:rPr>
+              <a:t>Machine Learning (SVM)</a:t>
+            </a:r>
+            <a:endParaRPr kumimoji="0" lang="en-US" sz="3200" b="0" i="0" u="none" strike="noStrike" kern="1200" cap="none" spc="0" normalizeH="0" baseline="0" noProof="0" dirty="0">
+              <a:ln>
+                <a:noFill/>
+              </a:ln>
+              <a:solidFill>
+                <a:schemeClr val="tx1"/>
+              </a:solidFill>
+              <a:effectLst/>
+              <a:uLnTx/>
+              <a:uFillTx/>
+              <a:latin typeface="+mj-lt"/>
+              <a:ea typeface="+mj-ea"/>
+              <a:cs typeface="+mj-cs"/>
+            </a:endParaRPr>
+          </a:p>
+        </p:txBody>
+      </p:sp>
+      <p:pic>
+        <p:nvPicPr>
+          <p:cNvPr id="2050" name="Picture 2"/>
+          <p:cNvPicPr>
+            <a:picLocks noChangeAspect="1" noChangeArrowheads="1"/>
+          </p:cNvPicPr>
+          <p:nvPr/>
+        </p:nvPicPr>
+        <p:blipFill>
+          <a:blip r:embed="rId2"/>
+          <a:srcRect b="11985"/>
+          <a:stretch>
+            <a:fillRect/>
+          </a:stretch>
+        </p:blipFill>
+        <p:spPr bwMode="auto">
+          <a:xfrm>
+            <a:off x="1091531" y="1190625"/>
+            <a:ext cx="6909469" cy="2238375"/>
+          </a:xfrm>
+          <a:prstGeom prst="rect">
+            <a:avLst/>
+          </a:prstGeom>
+          <a:noFill/>
+          <a:ln w="9525">
+            <a:noFill/>
+            <a:miter lim="800000"/>
+            <a:headEnd/>
+            <a:tailEnd/>
+          </a:ln>
+          <a:effectLst/>
+        </p:spPr>
+      </p:pic>
+      <p:sp>
+        <p:nvSpPr>
+          <p:cNvPr id="11" name="Title 1"/>
+          <p:cNvSpPr txBox="1">
+            <a:spLocks/>
+          </p:cNvSpPr>
+          <p:nvPr/>
+        </p:nvSpPr>
+        <p:spPr>
+          <a:xfrm>
+            <a:off x="609600" y="3048000"/>
+            <a:ext cx="8229600" cy="1143000"/>
+          </a:xfrm>
+          <a:prstGeom prst="rect">
+            <a:avLst/>
+          </a:prstGeom>
+        </p:spPr>
+        <p:txBody>
+          <a:bodyPr vert="horz" lIns="91440" tIns="45720" rIns="91440" bIns="45720" rtlCol="0" anchor="ctr">
+            <a:normAutofit/>
+          </a:bodyPr>
+          <a:lstStyle/>
+          <a:p>
+            <a:pPr marL="0" marR="0" lvl="0" indent="0" algn="ctr" defTabSz="914400" rtl="0" eaLnBrk="1" fontAlgn="auto" latinLnBrk="0" hangingPunct="1">
+              <a:lnSpc>
+                <a:spcPct val="100000"/>
+              </a:lnSpc>
+              <a:spcBef>
+                <a:spcPct val="0"/>
+              </a:spcBef>
+              <a:spcAft>
+                <a:spcPts val="0"/>
+              </a:spcAft>
+              <a:buClrTx/>
+              <a:buSzTx/>
+              <a:buFontTx/>
+              <a:buNone/>
+              <a:tabLst/>
+              <a:defRPr/>
+            </a:pPr>
+            <a:r>
+              <a:rPr kumimoji="0" lang="en-US" sz="3200" b="1" i="0" u="none" strike="noStrike" kern="1200" cap="none" spc="0" normalizeH="0" baseline="0" noProof="0" dirty="0" smtClean="0">
+                <a:ln>
+                  <a:noFill/>
+                </a:ln>
+                <a:solidFill>
+                  <a:schemeClr val="tx1"/>
+                </a:solidFill>
+                <a:effectLst/>
+                <a:uLnTx/>
+                <a:uFillTx/>
+                <a:latin typeface="+mj-lt"/>
+                <a:ea typeface="+mj-ea"/>
+                <a:cs typeface="+mj-cs"/>
+              </a:rPr>
+              <a:t>Machine Learning (K-NN)</a:t>
+            </a:r>
+            <a:endParaRPr kumimoji="0" lang="en-US" sz="3200" b="0" i="0" u="none" strike="noStrike" kern="1200" cap="none" spc="0" normalizeH="0" baseline="0" noProof="0" dirty="0">
+              <a:ln>
+                <a:noFill/>
+              </a:ln>
+              <a:solidFill>
+                <a:schemeClr val="tx1"/>
+              </a:solidFill>
+              <a:effectLst/>
+              <a:uLnTx/>
+              <a:uFillTx/>
+              <a:latin typeface="+mj-lt"/>
+              <a:ea typeface="+mj-ea"/>
+              <a:cs typeface="+mj-cs"/>
+            </a:endParaRPr>
+          </a:p>
+        </p:txBody>
+      </p:sp>
+      <p:pic>
+        <p:nvPicPr>
+          <p:cNvPr id="2051" name="Picture 3"/>
+          <p:cNvPicPr>
+            <a:picLocks noChangeAspect="1" noChangeArrowheads="1"/>
+          </p:cNvPicPr>
+          <p:nvPr/>
+        </p:nvPicPr>
+        <p:blipFill>
+          <a:blip r:embed="rId3"/>
+          <a:srcRect/>
+          <a:stretch>
+            <a:fillRect/>
+          </a:stretch>
+        </p:blipFill>
+        <p:spPr bwMode="auto">
+          <a:xfrm>
+            <a:off x="1066800" y="3886200"/>
+            <a:ext cx="7458270" cy="2514600"/>
+          </a:xfrm>
+          <a:prstGeom prst="rect">
+            <a:avLst/>
+          </a:prstGeom>
+          <a:noFill/>
+          <a:ln w="9525">
+            <a:noFill/>
+            <a:miter lim="800000"/>
+            <a:headEnd/>
+            <a:tailEnd/>
+          </a:ln>
+          <a:effectLst/>
+        </p:spPr>
+      </p:pic>
+    </p:spTree>
+  </p:cSld>
+  <p:clrMapOvr>
+    <a:masterClrMapping/>
+  </p:clrMapOvr>
+</p:sld>
+</file>
+
+<file path=ppt/slides/slide21.xml><?xml version="1.0" encoding="utf-8"?>
+<p:sld xmlns:a="http://schemas.openxmlformats.org/drawingml/2006/main" xmlns:r="http://schemas.openxmlformats.org/officeDocument/2006/relationships" xmlns:p="http://schemas.openxmlformats.org/presentationml/2006/main">
+  <p:cSld>
+    <p:spTree>
+      <p:nvGrpSpPr>
+        <p:cNvPr id="1" name=""/>
+        <p:cNvGrpSpPr/>
+        <p:nvPr/>
+      </p:nvGrpSpPr>
+      <p:grpSpPr>
+        <a:xfrm>
+          <a:off x="0" y="0"/>
+          <a:ext cx="0" cy="0"/>
+          <a:chOff x="0" y="0"/>
+          <a:chExt cx="0" cy="0"/>
+        </a:xfrm>
+      </p:grpSpPr>
+      <p:sp>
+        <p:nvSpPr>
+          <p:cNvPr id="16386" name="AutoShape 2" descr="Image result for air accidents"/>
+          <p:cNvSpPr>
+            <a:spLocks noChangeAspect="1" noChangeArrowheads="1"/>
+          </p:cNvSpPr>
+          <p:nvPr/>
+        </p:nvSpPr>
+        <p:spPr bwMode="auto">
+          <a:xfrm>
+            <a:off x="155575" y="-1592263"/>
+            <a:ext cx="6743700" cy="3324226"/>
+          </a:xfrm>
+          <a:prstGeom prst="rect">
+            <a:avLst/>
+          </a:prstGeom>
+          <a:noFill/>
+        </p:spPr>
+        <p:txBody>
+          <a:bodyPr vert="horz" wrap="square" lIns="91440" tIns="45720" rIns="91440" bIns="45720" numCol="1" anchor="t" anchorCtr="0" compatLnSpc="1">
+            <a:prstTxWarp prst="textNoShape">
+              <a:avLst/>
+            </a:prstTxWarp>
+          </a:bodyPr>
+          <a:lstStyle/>
+          <a:p>
+            <a:endParaRPr lang="en-US"/>
+          </a:p>
+        </p:txBody>
+      </p:sp>
+      <p:sp>
+        <p:nvSpPr>
+          <p:cNvPr id="16388" name="AutoShape 4" descr="Image result for air accidents"/>
+          <p:cNvSpPr>
+            <a:spLocks noChangeAspect="1" noChangeArrowheads="1"/>
+          </p:cNvSpPr>
+          <p:nvPr/>
+        </p:nvSpPr>
+        <p:spPr bwMode="auto">
+          <a:xfrm>
+            <a:off x="155575" y="-1592263"/>
+            <a:ext cx="6743700" cy="3324226"/>
+          </a:xfrm>
+          <a:prstGeom prst="rect">
+            <a:avLst/>
+          </a:prstGeom>
+          <a:noFill/>
+        </p:spPr>
+        <p:txBody>
+          <a:bodyPr vert="horz" wrap="square" lIns="91440" tIns="45720" rIns="91440" bIns="45720" numCol="1" anchor="t" anchorCtr="0" compatLnSpc="1">
+            <a:prstTxWarp prst="textNoShape">
+              <a:avLst/>
+            </a:prstTxWarp>
+          </a:bodyPr>
+          <a:lstStyle/>
+          <a:p>
+            <a:endParaRPr lang="en-US"/>
+          </a:p>
+        </p:txBody>
+      </p:sp>
+      <p:sp>
+        <p:nvSpPr>
+          <p:cNvPr id="16390" name="AutoShape 6" descr="Related image"/>
+          <p:cNvSpPr>
+            <a:spLocks noChangeAspect="1" noChangeArrowheads="1"/>
+          </p:cNvSpPr>
+          <p:nvPr/>
+        </p:nvSpPr>
+        <p:spPr bwMode="auto">
+          <a:xfrm>
+            <a:off x="155575" y="-1608138"/>
+            <a:ext cx="4791075" cy="3362326"/>
+          </a:xfrm>
+          <a:prstGeom prst="rect">
+            <a:avLst/>
+          </a:prstGeom>
+          <a:noFill/>
+        </p:spPr>
+        <p:txBody>
+          <a:bodyPr vert="horz" wrap="square" lIns="91440" tIns="45720" rIns="91440" bIns="45720" numCol="1" anchor="t" anchorCtr="0" compatLnSpc="1">
+            <a:prstTxWarp prst="textNoShape">
+              <a:avLst/>
+            </a:prstTxWarp>
+          </a:bodyPr>
+          <a:lstStyle/>
+          <a:p>
+            <a:endParaRPr lang="en-US"/>
+          </a:p>
+        </p:txBody>
+      </p:sp>
+      <p:sp>
+        <p:nvSpPr>
+          <p:cNvPr id="17410" name="AutoShape 2" descr="Image result for us airliner accidents"/>
+          <p:cNvSpPr>
+            <a:spLocks noChangeAspect="1" noChangeArrowheads="1"/>
+          </p:cNvSpPr>
+          <p:nvPr/>
+        </p:nvSpPr>
+        <p:spPr bwMode="auto">
+          <a:xfrm>
+            <a:off x="155575" y="-1608138"/>
+            <a:ext cx="4486275" cy="3362326"/>
+          </a:xfrm>
+          <a:prstGeom prst="rect">
+            <a:avLst/>
+          </a:prstGeom>
+          <a:noFill/>
+        </p:spPr>
+        <p:txBody>
+          <a:bodyPr vert="horz" wrap="square" lIns="91440" tIns="45720" rIns="91440" bIns="45720" numCol="1" anchor="t" anchorCtr="0" compatLnSpc="1">
+            <a:prstTxWarp prst="textNoShape">
+              <a:avLst/>
+            </a:prstTxWarp>
+          </a:bodyPr>
+          <a:lstStyle/>
+          <a:p>
+            <a:endParaRPr lang="en-US"/>
+          </a:p>
+        </p:txBody>
+      </p:sp>
+      <p:sp>
+        <p:nvSpPr>
+          <p:cNvPr id="17412" name="AutoShape 4" descr="Image result for us airliner accidents"/>
+          <p:cNvSpPr>
+            <a:spLocks noChangeAspect="1" noChangeArrowheads="1"/>
+          </p:cNvSpPr>
+          <p:nvPr/>
+        </p:nvSpPr>
+        <p:spPr bwMode="auto">
+          <a:xfrm>
+            <a:off x="155575" y="-1608138"/>
+            <a:ext cx="4486275" cy="3362326"/>
+          </a:xfrm>
+          <a:prstGeom prst="rect">
+            <a:avLst/>
+          </a:prstGeom>
+          <a:noFill/>
+        </p:spPr>
+        <p:txBody>
+          <a:bodyPr vert="horz" wrap="square" lIns="91440" tIns="45720" rIns="91440" bIns="45720" numCol="1" anchor="t" anchorCtr="0" compatLnSpc="1">
+            <a:prstTxWarp prst="textNoShape">
+              <a:avLst/>
+            </a:prstTxWarp>
+          </a:bodyPr>
+          <a:lstStyle/>
+          <a:p>
+            <a:endParaRPr lang="en-US"/>
+          </a:p>
+        </p:txBody>
+      </p:sp>
+      <p:sp>
+        <p:nvSpPr>
+          <p:cNvPr id="17414" name="AutoShape 6" descr="Image result for us airliner accidents"/>
+          <p:cNvSpPr>
+            <a:spLocks noChangeAspect="1" noChangeArrowheads="1"/>
+          </p:cNvSpPr>
+          <p:nvPr/>
+        </p:nvSpPr>
+        <p:spPr bwMode="auto">
+          <a:xfrm>
+            <a:off x="155575" y="-144463"/>
+            <a:ext cx="304800" cy="304801"/>
+          </a:xfrm>
+          <a:prstGeom prst="rect">
+            <a:avLst/>
+          </a:prstGeom>
+          <a:noFill/>
+        </p:spPr>
+        <p:txBody>
+          <a:bodyPr vert="horz" wrap="square" lIns="91440" tIns="45720" rIns="91440" bIns="45720" numCol="1" anchor="t" anchorCtr="0" compatLnSpc="1">
+            <a:prstTxWarp prst="textNoShape">
+              <a:avLst/>
+            </a:prstTxWarp>
+          </a:bodyPr>
+          <a:lstStyle/>
+          <a:p>
+            <a:endParaRPr lang="en-US"/>
+          </a:p>
+        </p:txBody>
+      </p:sp>
+      <p:sp>
+        <p:nvSpPr>
+          <p:cNvPr id="14" name="Title 1"/>
+          <p:cNvSpPr txBox="1">
+            <a:spLocks/>
+          </p:cNvSpPr>
+          <p:nvPr/>
+        </p:nvSpPr>
+        <p:spPr>
+          <a:xfrm>
+            <a:off x="609600" y="427038"/>
+            <a:ext cx="8229600" cy="1143000"/>
+          </a:xfrm>
+          <a:prstGeom prst="rect">
+            <a:avLst/>
+          </a:prstGeom>
+        </p:spPr>
+        <p:txBody>
+          <a:bodyPr vert="horz" lIns="91440" tIns="45720" rIns="91440" bIns="45720" rtlCol="0" anchor="ctr">
+            <a:normAutofit/>
+          </a:bodyPr>
+          <a:lstStyle/>
+          <a:p>
+            <a:pPr marL="0" marR="0" lvl="0" indent="0" algn="ctr" defTabSz="914400" rtl="0" eaLnBrk="1" fontAlgn="auto" latinLnBrk="0" hangingPunct="1">
+              <a:lnSpc>
+                <a:spcPct val="100000"/>
+              </a:lnSpc>
+              <a:spcBef>
+                <a:spcPct val="0"/>
+              </a:spcBef>
+              <a:spcAft>
+                <a:spcPts val="0"/>
+              </a:spcAft>
+              <a:buClrTx/>
+              <a:buSzTx/>
+              <a:buFontTx/>
+              <a:buNone/>
+              <a:tabLst/>
+              <a:defRPr/>
+            </a:pPr>
+            <a:r>
+              <a:rPr kumimoji="0" lang="en-US" sz="3200" b="1" i="0" u="none" strike="noStrike" kern="1200" cap="none" spc="0" normalizeH="0" baseline="0" noProof="0" dirty="0" smtClean="0">
+                <a:ln>
+                  <a:noFill/>
+                </a:ln>
+                <a:solidFill>
+                  <a:schemeClr val="tx1"/>
+                </a:solidFill>
+                <a:effectLst/>
+                <a:uLnTx/>
+                <a:uFillTx/>
+                <a:latin typeface="+mj-lt"/>
+                <a:ea typeface="+mj-ea"/>
+                <a:cs typeface="+mj-cs"/>
+              </a:rPr>
+              <a:t>Machine Learning (Naïve </a:t>
+            </a:r>
+            <a:r>
+              <a:rPr kumimoji="0" lang="en-US" sz="3200" b="1" i="0" u="none" strike="noStrike" kern="1200" cap="none" spc="0" normalizeH="0" baseline="0" noProof="0" dirty="0" err="1" smtClean="0">
+                <a:ln>
+                  <a:noFill/>
+                </a:ln>
+                <a:solidFill>
+                  <a:schemeClr val="tx1"/>
+                </a:solidFill>
+                <a:effectLst/>
+                <a:uLnTx/>
+                <a:uFillTx/>
+                <a:latin typeface="+mj-lt"/>
+                <a:ea typeface="+mj-ea"/>
+                <a:cs typeface="+mj-cs"/>
+              </a:rPr>
+              <a:t>Bayes</a:t>
+            </a:r>
+            <a:r>
+              <a:rPr kumimoji="0" lang="en-US" sz="3200" b="1" i="0" u="none" strike="noStrike" kern="1200" cap="none" spc="0" normalizeH="0" baseline="0" noProof="0" dirty="0" smtClean="0">
+                <a:ln>
+                  <a:noFill/>
+                </a:ln>
+                <a:solidFill>
+                  <a:schemeClr val="tx1"/>
+                </a:solidFill>
+                <a:effectLst/>
+                <a:uLnTx/>
+                <a:uFillTx/>
+                <a:latin typeface="+mj-lt"/>
+                <a:ea typeface="+mj-ea"/>
+                <a:cs typeface="+mj-cs"/>
+              </a:rPr>
+              <a:t>)</a:t>
+            </a:r>
+            <a:endParaRPr kumimoji="0" lang="en-US" sz="3200" b="0" i="0" u="none" strike="noStrike" kern="1200" cap="none" spc="0" normalizeH="0" baseline="0" noProof="0" dirty="0">
+              <a:ln>
+                <a:noFill/>
+              </a:ln>
+              <a:solidFill>
+                <a:schemeClr val="tx1"/>
+              </a:solidFill>
+              <a:effectLst/>
+              <a:uLnTx/>
+              <a:uFillTx/>
+              <a:latin typeface="+mj-lt"/>
+              <a:ea typeface="+mj-ea"/>
+              <a:cs typeface="+mj-cs"/>
+            </a:endParaRPr>
+          </a:p>
+        </p:txBody>
+      </p:sp>
+      <p:pic>
+        <p:nvPicPr>
+          <p:cNvPr id="1027" name="Picture 3"/>
+          <p:cNvPicPr>
+            <a:picLocks noChangeAspect="1" noChangeArrowheads="1"/>
+          </p:cNvPicPr>
+          <p:nvPr/>
+        </p:nvPicPr>
+        <p:blipFill>
+          <a:blip r:embed="rId2"/>
+          <a:srcRect/>
+          <a:stretch>
+            <a:fillRect/>
+          </a:stretch>
+        </p:blipFill>
+        <p:spPr bwMode="auto">
+          <a:xfrm>
+            <a:off x="1201153" y="1295400"/>
+            <a:ext cx="6571247" cy="2209800"/>
+          </a:xfrm>
+          <a:prstGeom prst="rect">
+            <a:avLst/>
+          </a:prstGeom>
+          <a:noFill/>
+          <a:ln w="9525">
+            <a:noFill/>
+            <a:miter lim="800000"/>
+            <a:headEnd/>
+            <a:tailEnd/>
+          </a:ln>
+          <a:effectLst/>
+        </p:spPr>
+      </p:pic>
+      <p:sp>
+        <p:nvSpPr>
+          <p:cNvPr id="16" name="Title 1"/>
+          <p:cNvSpPr txBox="1">
+            <a:spLocks/>
+          </p:cNvSpPr>
+          <p:nvPr/>
+        </p:nvSpPr>
+        <p:spPr>
+          <a:xfrm>
+            <a:off x="609600" y="3124200"/>
+            <a:ext cx="8229600" cy="1143000"/>
+          </a:xfrm>
+          <a:prstGeom prst="rect">
+            <a:avLst/>
+          </a:prstGeom>
+        </p:spPr>
+        <p:txBody>
+          <a:bodyPr vert="horz" lIns="91440" tIns="45720" rIns="91440" bIns="45720" rtlCol="0" anchor="ctr">
+            <a:normAutofit/>
+          </a:bodyPr>
+          <a:lstStyle/>
+          <a:p>
+            <a:pPr marL="0" marR="0" lvl="0" indent="0" algn="ctr" defTabSz="914400" rtl="0" eaLnBrk="1" fontAlgn="auto" latinLnBrk="0" hangingPunct="1">
+              <a:lnSpc>
+                <a:spcPct val="100000"/>
+              </a:lnSpc>
+              <a:spcBef>
+                <a:spcPct val="0"/>
+              </a:spcBef>
+              <a:spcAft>
+                <a:spcPts val="0"/>
+              </a:spcAft>
+              <a:buClrTx/>
+              <a:buSzTx/>
+              <a:buFontTx/>
+              <a:buNone/>
+              <a:tabLst/>
+              <a:defRPr/>
+            </a:pPr>
+            <a:r>
+              <a:rPr kumimoji="0" lang="en-US" sz="3200" b="1" i="0" u="none" strike="noStrike" kern="1200" cap="none" spc="0" normalizeH="0" baseline="0" noProof="0" dirty="0" smtClean="0">
+                <a:ln>
+                  <a:noFill/>
+                </a:ln>
+                <a:solidFill>
+                  <a:schemeClr val="tx1"/>
+                </a:solidFill>
+                <a:effectLst/>
+                <a:uLnTx/>
+                <a:uFillTx/>
+                <a:latin typeface="+mj-lt"/>
+                <a:ea typeface="+mj-ea"/>
+                <a:cs typeface="+mj-cs"/>
+              </a:rPr>
+              <a:t>Machine Learning (Kernel SVM)</a:t>
+            </a:r>
+            <a:endParaRPr kumimoji="0" lang="en-US" sz="3200" b="0" i="0" u="none" strike="noStrike" kern="1200" cap="none" spc="0" normalizeH="0" baseline="0" noProof="0" dirty="0">
+              <a:ln>
+                <a:noFill/>
+              </a:ln>
+              <a:solidFill>
+                <a:schemeClr val="tx1"/>
+              </a:solidFill>
+              <a:effectLst/>
+              <a:uLnTx/>
+              <a:uFillTx/>
+              <a:latin typeface="+mj-lt"/>
+              <a:ea typeface="+mj-ea"/>
+              <a:cs typeface="+mj-cs"/>
+            </a:endParaRPr>
+          </a:p>
+        </p:txBody>
+      </p:sp>
+      <p:pic>
+        <p:nvPicPr>
+          <p:cNvPr id="1028" name="Picture 4"/>
+          <p:cNvPicPr>
+            <a:picLocks noChangeAspect="1" noChangeArrowheads="1"/>
+          </p:cNvPicPr>
+          <p:nvPr/>
+        </p:nvPicPr>
+        <p:blipFill>
+          <a:blip r:embed="rId3"/>
+          <a:srcRect/>
+          <a:stretch>
+            <a:fillRect/>
+          </a:stretch>
+        </p:blipFill>
+        <p:spPr bwMode="auto">
+          <a:xfrm>
+            <a:off x="1219200" y="4114800"/>
+            <a:ext cx="6781800" cy="2286703"/>
+          </a:xfrm>
+          <a:prstGeom prst="rect">
+            <a:avLst/>
+          </a:prstGeom>
+          <a:noFill/>
+          <a:ln w="9525">
+            <a:noFill/>
+            <a:miter lim="800000"/>
+            <a:headEnd/>
+            <a:tailEnd/>
+          </a:ln>
+          <a:effectLst/>
+        </p:spPr>
+      </p:pic>
+    </p:spTree>
+  </p:cSld>
+  <p:clrMapOvr>
+    <a:masterClrMapping/>
+  </p:clrMapOvr>
+</p:sld>
+</file>
+
+<file path=ppt/slides/slide22.xml><?xml version="1.0" encoding="utf-8"?>
+<p:sld xmlns:a="http://schemas.openxmlformats.org/drawingml/2006/main" xmlns:r="http://schemas.openxmlformats.org/officeDocument/2006/relationships" xmlns:p="http://schemas.openxmlformats.org/presentationml/2006/main">
+  <p:cSld>
+    <p:spTree>
+      <p:nvGrpSpPr>
+        <p:cNvPr id="1" name=""/>
+        <p:cNvGrpSpPr/>
+        <p:nvPr/>
+      </p:nvGrpSpPr>
+      <p:grpSpPr>
+        <a:xfrm>
+          <a:off x="0" y="0"/>
+          <a:ext cx="0" cy="0"/>
+          <a:chOff x="0" y="0"/>
+          <a:chExt cx="0" cy="0"/>
+        </a:xfrm>
+      </p:grpSpPr>
+      <p:sp>
+        <p:nvSpPr>
+          <p:cNvPr id="2" name="Title 1"/>
+          <p:cNvSpPr>
+            <a:spLocks noGrp="1"/>
+          </p:cNvSpPr>
+          <p:nvPr>
+            <p:ph type="title"/>
+          </p:nvPr>
+        </p:nvSpPr>
+        <p:spPr/>
+        <p:txBody>
+          <a:bodyPr/>
+          <a:lstStyle/>
+          <a:p>
+            <a:r>
+              <a:rPr lang="en-US" b="1" dirty="0" smtClean="0"/>
+              <a:t>Conclusion</a:t>
+            </a:r>
+            <a:endParaRPr lang="en-US" dirty="0"/>
+          </a:p>
+        </p:txBody>
+      </p:sp>
+      <p:sp>
+        <p:nvSpPr>
+          <p:cNvPr id="16386" name="AutoShape 2" descr="Image result for air accidents"/>
+          <p:cNvSpPr>
+            <a:spLocks noChangeAspect="1" noChangeArrowheads="1"/>
+          </p:cNvSpPr>
+          <p:nvPr/>
+        </p:nvSpPr>
+        <p:spPr bwMode="auto">
+          <a:xfrm>
+            <a:off x="155575" y="-1592263"/>
+            <a:ext cx="6743700" cy="3324226"/>
+          </a:xfrm>
+          <a:prstGeom prst="rect">
+            <a:avLst/>
+          </a:prstGeom>
+          <a:noFill/>
+        </p:spPr>
+        <p:txBody>
+          <a:bodyPr vert="horz" wrap="square" lIns="91440" tIns="45720" rIns="91440" bIns="45720" numCol="1" anchor="t" anchorCtr="0" compatLnSpc="1">
+            <a:prstTxWarp prst="textNoShape">
+              <a:avLst/>
+            </a:prstTxWarp>
+          </a:bodyPr>
+          <a:lstStyle/>
+          <a:p>
+            <a:endParaRPr lang="en-US"/>
+          </a:p>
+        </p:txBody>
+      </p:sp>
+      <p:sp>
+        <p:nvSpPr>
+          <p:cNvPr id="16388" name="AutoShape 4" descr="Image result for air accidents"/>
+          <p:cNvSpPr>
+            <a:spLocks noChangeAspect="1" noChangeArrowheads="1"/>
+          </p:cNvSpPr>
+          <p:nvPr/>
+        </p:nvSpPr>
+        <p:spPr bwMode="auto">
+          <a:xfrm>
+            <a:off x="155575" y="-1592263"/>
+            <a:ext cx="6743700" cy="3324226"/>
+          </a:xfrm>
+          <a:prstGeom prst="rect">
+            <a:avLst/>
+          </a:prstGeom>
+          <a:noFill/>
+        </p:spPr>
+        <p:txBody>
+          <a:bodyPr vert="horz" wrap="square" lIns="91440" tIns="45720" rIns="91440" bIns="45720" numCol="1" anchor="t" anchorCtr="0" compatLnSpc="1">
+            <a:prstTxWarp prst="textNoShape">
+              <a:avLst/>
+            </a:prstTxWarp>
+          </a:bodyPr>
+          <a:lstStyle/>
+          <a:p>
+            <a:endParaRPr lang="en-US"/>
+          </a:p>
+        </p:txBody>
+      </p:sp>
+      <p:sp>
+        <p:nvSpPr>
+          <p:cNvPr id="16390" name="AutoShape 6" descr="Related image"/>
+          <p:cNvSpPr>
+            <a:spLocks noChangeAspect="1" noChangeArrowheads="1"/>
+          </p:cNvSpPr>
+          <p:nvPr/>
+        </p:nvSpPr>
+        <p:spPr bwMode="auto">
+          <a:xfrm>
+            <a:off x="155575" y="-1608138"/>
+            <a:ext cx="4791075" cy="3362326"/>
+          </a:xfrm>
+          <a:prstGeom prst="rect">
+            <a:avLst/>
+          </a:prstGeom>
+          <a:noFill/>
+        </p:spPr>
+        <p:txBody>
+          <a:bodyPr vert="horz" wrap="square" lIns="91440" tIns="45720" rIns="91440" bIns="45720" numCol="1" anchor="t" anchorCtr="0" compatLnSpc="1">
+            <a:prstTxWarp prst="textNoShape">
+              <a:avLst/>
+            </a:prstTxWarp>
+          </a:bodyPr>
+          <a:lstStyle/>
+          <a:p>
+            <a:endParaRPr lang="en-US"/>
+          </a:p>
+        </p:txBody>
+      </p:sp>
+      <p:sp>
+        <p:nvSpPr>
+          <p:cNvPr id="17410" name="AutoShape 2" descr="Image result for us airliner accidents"/>
+          <p:cNvSpPr>
+            <a:spLocks noChangeAspect="1" noChangeArrowheads="1"/>
+          </p:cNvSpPr>
+          <p:nvPr/>
+        </p:nvSpPr>
+        <p:spPr bwMode="auto">
+          <a:xfrm>
+            <a:off x="155575" y="-1608138"/>
+            <a:ext cx="4486275" cy="3362326"/>
+          </a:xfrm>
+          <a:prstGeom prst="rect">
+            <a:avLst/>
+          </a:prstGeom>
+          <a:noFill/>
+        </p:spPr>
+        <p:txBody>
+          <a:bodyPr vert="horz" wrap="square" lIns="91440" tIns="45720" rIns="91440" bIns="45720" numCol="1" anchor="t" anchorCtr="0" compatLnSpc="1">
+            <a:prstTxWarp prst="textNoShape">
+              <a:avLst/>
+            </a:prstTxWarp>
+          </a:bodyPr>
+          <a:lstStyle/>
+          <a:p>
+            <a:endParaRPr lang="en-US"/>
+          </a:p>
+        </p:txBody>
+      </p:sp>
+      <p:sp>
+        <p:nvSpPr>
+          <p:cNvPr id="17412" name="AutoShape 4" descr="Image result for us airliner accidents"/>
+          <p:cNvSpPr>
+            <a:spLocks noChangeAspect="1" noChangeArrowheads="1"/>
+          </p:cNvSpPr>
+          <p:nvPr/>
+        </p:nvSpPr>
+        <p:spPr bwMode="auto">
+          <a:xfrm>
+            <a:off x="155575" y="-1608138"/>
+            <a:ext cx="4486275" cy="3362326"/>
+          </a:xfrm>
+          <a:prstGeom prst="rect">
+            <a:avLst/>
+          </a:prstGeom>
+          <a:noFill/>
+        </p:spPr>
+        <p:txBody>
+          <a:bodyPr vert="horz" wrap="square" lIns="91440" tIns="45720" rIns="91440" bIns="45720" numCol="1" anchor="t" anchorCtr="0" compatLnSpc="1">
+            <a:prstTxWarp prst="textNoShape">
+              <a:avLst/>
+            </a:prstTxWarp>
+          </a:bodyPr>
+          <a:lstStyle/>
+          <a:p>
+            <a:endParaRPr lang="en-US"/>
+          </a:p>
+        </p:txBody>
+      </p:sp>
+      <p:sp>
+        <p:nvSpPr>
+          <p:cNvPr id="17414" name="AutoShape 6" descr="Image result for us airliner accidents"/>
+          <p:cNvSpPr>
+            <a:spLocks noChangeAspect="1" noChangeArrowheads="1"/>
+          </p:cNvSpPr>
+          <p:nvPr/>
+        </p:nvSpPr>
+        <p:spPr bwMode="auto">
+          <a:xfrm>
+            <a:off x="155575" y="-144463"/>
+            <a:ext cx="304800" cy="304801"/>
+          </a:xfrm>
+          <a:prstGeom prst="rect">
+            <a:avLst/>
+          </a:prstGeom>
+          <a:noFill/>
+        </p:spPr>
+        <p:txBody>
+          <a:bodyPr vert="horz" wrap="square" lIns="91440" tIns="45720" rIns="91440" bIns="45720" numCol="1" anchor="t" anchorCtr="0" compatLnSpc="1">
+            <a:prstTxWarp prst="textNoShape">
+              <a:avLst/>
+            </a:prstTxWarp>
+          </a:bodyPr>
+          <a:lstStyle/>
+          <a:p>
+            <a:endParaRPr lang="en-US"/>
+          </a:p>
+        </p:txBody>
+      </p:sp>
+      <p:sp>
+        <p:nvSpPr>
+          <p:cNvPr id="10" name="Content Placeholder 2"/>
+          <p:cNvSpPr>
+            <a:spLocks noGrp="1"/>
+          </p:cNvSpPr>
+          <p:nvPr>
+            <p:ph idx="1"/>
+          </p:nvPr>
+        </p:nvSpPr>
+        <p:spPr>
+          <a:xfrm>
+            <a:off x="381000" y="1143000"/>
+            <a:ext cx="8229600" cy="5334000"/>
+          </a:xfrm>
+        </p:spPr>
+        <p:txBody>
+          <a:bodyPr>
+            <a:normAutofit/>
+          </a:bodyPr>
+          <a:lstStyle/>
+          <a:p>
+            <a:r>
+              <a:rPr lang="en-US" sz="2400" dirty="0" smtClean="0"/>
+              <a:t>Successful prediction</a:t>
+            </a:r>
+          </a:p>
+          <a:p>
+            <a:r>
+              <a:rPr lang="en-US" sz="2400" dirty="0" smtClean="0"/>
+              <a:t>Currently this model is not  capable of predicting possible future air accidents. </a:t>
+            </a:r>
+          </a:p>
+          <a:p>
+            <a:r>
+              <a:rPr lang="en-US" sz="2400" dirty="0" smtClean="0"/>
+              <a:t>Dataset can be enriched with total flight hours of</a:t>
+            </a:r>
+            <a:r>
+              <a:rPr lang="en-US" sz="2000" dirty="0" smtClean="0"/>
+              <a:t> </a:t>
+            </a:r>
+          </a:p>
+          <a:p>
+            <a:pPr lvl="1"/>
+            <a:r>
+              <a:rPr lang="en-US" sz="1600" dirty="0" smtClean="0"/>
+              <a:t>each aircraft model, </a:t>
+            </a:r>
+          </a:p>
+          <a:p>
+            <a:pPr lvl="1"/>
+            <a:r>
+              <a:rPr lang="en-US" sz="1600" dirty="0" smtClean="0"/>
+              <a:t>engine, and </a:t>
+            </a:r>
+          </a:p>
+          <a:p>
+            <a:pPr lvl="1"/>
+            <a:r>
+              <a:rPr lang="en-US" sz="1600" dirty="0" smtClean="0"/>
+              <a:t>pilots during the accident in addition to </a:t>
+            </a:r>
+          </a:p>
+          <a:p>
+            <a:pPr lvl="1"/>
+            <a:r>
+              <a:rPr lang="en-US" sz="1600" dirty="0" smtClean="0"/>
+              <a:t>annual and total flight hours of each air carrier.</a:t>
+            </a:r>
+          </a:p>
+          <a:p>
+            <a:endParaRPr lang="en-US" sz="2400" b="1" dirty="0" smtClean="0"/>
+          </a:p>
+        </p:txBody>
+      </p:sp>
     </p:spTree>
   </p:cSld>
   <p:clrMapOvr>
